--- a/assets/lectures/BPW_Lecture_10.pptx
+++ b/assets/lectures/BPW_Lecture_10.pptx
@@ -16,7 +16,8 @@
     <p:sldId id="310" r:id="rId10"/>
     <p:sldId id="315" r:id="rId11"/>
     <p:sldId id="316" r:id="rId12"/>
-    <p:sldId id="302" r:id="rId13"/>
+    <p:sldId id="317" r:id="rId13"/>
+    <p:sldId id="302" r:id="rId14"/>
   </p:sldIdLst>
   <p:sldSz cx="12192000" cy="6858000"/>
   <p:notesSz cx="6858000" cy="9144000"/>
@@ -282,7 +283,7 @@
           <a:p>
             <a:fld id="{F57857CC-207A-4D73-9A20-C856A5068D10}" type="datetimeFigureOut">
               <a:rPr lang="en-US" smtClean="0"/>
-              <a:t>1/1/19</a:t>
+              <a:t>1/2/19</a:t>
             </a:fld>
             <a:endParaRPr lang="en-US"/>
           </a:p>
@@ -480,7 +481,7 @@
           <a:p>
             <a:fld id="{F57857CC-207A-4D73-9A20-C856A5068D10}" type="datetimeFigureOut">
               <a:rPr lang="en-US" smtClean="0"/>
-              <a:t>1/1/19</a:t>
+              <a:t>1/2/19</a:t>
             </a:fld>
             <a:endParaRPr lang="en-US"/>
           </a:p>
@@ -688,7 +689,7 @@
           <a:p>
             <a:fld id="{F57857CC-207A-4D73-9A20-C856A5068D10}" type="datetimeFigureOut">
               <a:rPr lang="en-US" smtClean="0"/>
-              <a:t>1/1/19</a:t>
+              <a:t>1/2/19</a:t>
             </a:fld>
             <a:endParaRPr lang="en-US"/>
           </a:p>
@@ -886,7 +887,7 @@
           <a:p>
             <a:fld id="{F57857CC-207A-4D73-9A20-C856A5068D10}" type="datetimeFigureOut">
               <a:rPr lang="en-US" smtClean="0"/>
-              <a:t>1/1/19</a:t>
+              <a:t>1/2/19</a:t>
             </a:fld>
             <a:endParaRPr lang="en-US"/>
           </a:p>
@@ -1161,7 +1162,7 @@
           <a:p>
             <a:fld id="{F57857CC-207A-4D73-9A20-C856A5068D10}" type="datetimeFigureOut">
               <a:rPr lang="en-US" smtClean="0"/>
-              <a:t>1/1/19</a:t>
+              <a:t>1/2/19</a:t>
             </a:fld>
             <a:endParaRPr lang="en-US"/>
           </a:p>
@@ -1426,7 +1427,7 @@
           <a:p>
             <a:fld id="{F57857CC-207A-4D73-9A20-C856A5068D10}" type="datetimeFigureOut">
               <a:rPr lang="en-US" smtClean="0"/>
-              <a:t>1/1/19</a:t>
+              <a:t>1/2/19</a:t>
             </a:fld>
             <a:endParaRPr lang="en-US"/>
           </a:p>
@@ -1838,7 +1839,7 @@
           <a:p>
             <a:fld id="{F57857CC-207A-4D73-9A20-C856A5068D10}" type="datetimeFigureOut">
               <a:rPr lang="en-US" smtClean="0"/>
-              <a:t>1/1/19</a:t>
+              <a:t>1/2/19</a:t>
             </a:fld>
             <a:endParaRPr lang="en-US"/>
           </a:p>
@@ -1979,7 +1980,7 @@
           <a:p>
             <a:fld id="{F57857CC-207A-4D73-9A20-C856A5068D10}" type="datetimeFigureOut">
               <a:rPr lang="en-US" smtClean="0"/>
-              <a:t>1/1/19</a:t>
+              <a:t>1/2/19</a:t>
             </a:fld>
             <a:endParaRPr lang="en-US"/>
           </a:p>
@@ -2092,7 +2093,7 @@
           <a:p>
             <a:fld id="{F57857CC-207A-4D73-9A20-C856A5068D10}" type="datetimeFigureOut">
               <a:rPr lang="en-US" smtClean="0"/>
-              <a:t>1/1/19</a:t>
+              <a:t>1/2/19</a:t>
             </a:fld>
             <a:endParaRPr lang="en-US"/>
           </a:p>
@@ -2403,7 +2404,7 @@
           <a:p>
             <a:fld id="{F57857CC-207A-4D73-9A20-C856A5068D10}" type="datetimeFigureOut">
               <a:rPr lang="en-US" smtClean="0"/>
-              <a:t>1/1/19</a:t>
+              <a:t>1/2/19</a:t>
             </a:fld>
             <a:endParaRPr lang="en-US"/>
           </a:p>
@@ -2691,7 +2692,7 @@
           <a:p>
             <a:fld id="{F57857CC-207A-4D73-9A20-C856A5068D10}" type="datetimeFigureOut">
               <a:rPr lang="en-US" smtClean="0"/>
-              <a:t>1/1/19</a:t>
+              <a:t>1/2/19</a:t>
             </a:fld>
             <a:endParaRPr lang="en-US"/>
           </a:p>
@@ -2932,7 +2933,7 @@
           <a:p>
             <a:fld id="{F57857CC-207A-4D73-9A20-C856A5068D10}" type="datetimeFigureOut">
               <a:rPr lang="en-US" smtClean="0"/>
-              <a:t>1/1/19</a:t>
+              <a:t>1/2/19</a:t>
             </a:fld>
             <a:endParaRPr lang="en-US"/>
           </a:p>
@@ -5875,6 +5876,413 @@
       </p:sp>
       <p:sp>
         <p:nvSpPr>
+          <p:cNvPr id="11" name="TextBox 10">
+            <a:extLst>
+              <a:ext uri="{FF2B5EF4-FFF2-40B4-BE49-F238E27FC236}">
+                <a16:creationId xmlns:a16="http://schemas.microsoft.com/office/drawing/2014/main" id="{2216BAA2-BFCB-1C4B-AB59-AB1B867CB5C5}"/>
+              </a:ext>
+            </a:extLst>
+          </p:cNvPr>
+          <p:cNvSpPr txBox="1"/>
+          <p:nvPr/>
+        </p:nvSpPr>
+        <p:spPr>
+          <a:xfrm>
+            <a:off x="536954" y="1318963"/>
+            <a:ext cx="10579395" cy="1891287"/>
+          </a:xfrm>
+          <a:prstGeom prst="rect">
+            <a:avLst/>
+          </a:prstGeom>
+          <a:noFill/>
+        </p:spPr>
+        <p:txBody>
+          <a:bodyPr wrap="square" rtlCol="0">
+            <a:spAutoFit/>
+          </a:bodyPr>
+          <a:lstStyle/>
+          <a:p>
+            <a:pPr marL="342900" indent="-342900">
+              <a:lnSpc>
+                <a:spcPct val="150000"/>
+              </a:lnSpc>
+              <a:buFont typeface="Wingdings" pitchFamily="2" charset="2"/>
+              <a:buChar char="q"/>
+            </a:pPr>
+            <a:r>
+              <a:rPr lang="en-US" sz="2000" dirty="0"/>
+              <a:t>Insert input fields such as </a:t>
+            </a:r>
+            <a:r>
+              <a:rPr lang="en-US" sz="2000" dirty="0" err="1"/>
+              <a:t>searchbars</a:t>
+            </a:r>
+            <a:r>
+              <a:rPr lang="en-US" sz="2000" dirty="0"/>
+              <a:t> in HTML.</a:t>
+            </a:r>
+          </a:p>
+          <a:p>
+            <a:pPr marL="342900" indent="-342900">
+              <a:lnSpc>
+                <a:spcPct val="150000"/>
+              </a:lnSpc>
+              <a:buFont typeface="Wingdings" pitchFamily="2" charset="2"/>
+              <a:buChar char="q"/>
+            </a:pPr>
+            <a:r>
+              <a:rPr lang="en-US" sz="2000" dirty="0"/>
+              <a:t>Have </a:t>
+            </a:r>
+            <a:r>
+              <a:rPr lang="en-US" sz="2000" dirty="0" err="1"/>
+              <a:t>JQuery</a:t>
+            </a:r>
+            <a:r>
+              <a:rPr lang="en-US" sz="2000" dirty="0"/>
+              <a:t> receive and log the output. Verify this by inspecting elements.</a:t>
+            </a:r>
+          </a:p>
+          <a:p>
+            <a:pPr marL="342900" indent="-342900">
+              <a:lnSpc>
+                <a:spcPct val="150000"/>
+              </a:lnSpc>
+              <a:buFont typeface="Wingdings" pitchFamily="2" charset="2"/>
+              <a:buChar char="q"/>
+            </a:pPr>
+            <a:r>
+              <a:rPr lang="en-US" sz="2000" dirty="0"/>
+              <a:t>Include a toggle button that shows certain </a:t>
+            </a:r>
+            <a:r>
+              <a:rPr lang="en-US" sz="2000" dirty="0" err="1"/>
+              <a:t>divs</a:t>
+            </a:r>
+            <a:r>
+              <a:rPr lang="en-US" sz="2000" dirty="0"/>
+              <a:t> </a:t>
+            </a:r>
+            <a:r>
+              <a:rPr lang="en-US" sz="2000"/>
+              <a:t>when clicked</a:t>
+            </a:r>
+            <a:r>
+              <a:rPr lang="en-US" sz="2000" dirty="0"/>
+              <a:t>.</a:t>
+            </a:r>
+          </a:p>
+          <a:p>
+            <a:pPr>
+              <a:lnSpc>
+                <a:spcPct val="150000"/>
+              </a:lnSpc>
+            </a:pPr>
+            <a:endParaRPr lang="en-US" sz="2000" dirty="0"/>
+          </a:p>
+        </p:txBody>
+      </p:sp>
+      <p:sp>
+        <p:nvSpPr>
+          <p:cNvPr id="12" name="TextBox 11">
+            <a:extLst>
+              <a:ext uri="{FF2B5EF4-FFF2-40B4-BE49-F238E27FC236}">
+                <a16:creationId xmlns:a16="http://schemas.microsoft.com/office/drawing/2014/main" id="{B78A1B19-B5A2-4144-9972-0F6CF1A00FE0}"/>
+              </a:ext>
+            </a:extLst>
+          </p:cNvPr>
+          <p:cNvSpPr txBox="1"/>
+          <p:nvPr/>
+        </p:nvSpPr>
+        <p:spPr>
+          <a:xfrm>
+            <a:off x="3703675" y="9526"/>
+            <a:ext cx="4784649" cy="1003031"/>
+          </a:xfrm>
+          <a:prstGeom prst="rect">
+            <a:avLst/>
+          </a:prstGeom>
+          <a:noFill/>
+        </p:spPr>
+        <p:txBody>
+          <a:bodyPr wrap="square" rtlCol="0">
+            <a:spAutoFit/>
+          </a:bodyPr>
+          <a:lstStyle/>
+          <a:p>
+            <a:pPr algn="ctr">
+              <a:lnSpc>
+                <a:spcPct val="150000"/>
+              </a:lnSpc>
+            </a:pPr>
+            <a:r>
+              <a:rPr lang="en-US" sz="4400" dirty="0"/>
+              <a:t>Homework Ideas</a:t>
+            </a:r>
+          </a:p>
+        </p:txBody>
+      </p:sp>
+      <p:cxnSp>
+        <p:nvCxnSpPr>
+          <p:cNvPr id="16" name="Straight Connector 15">
+            <a:extLst>
+              <a:ext uri="{FF2B5EF4-FFF2-40B4-BE49-F238E27FC236}">
+                <a16:creationId xmlns:a16="http://schemas.microsoft.com/office/drawing/2014/main" id="{24DB54CF-D2D7-AF4C-AF19-67C8531C8A8C}"/>
+              </a:ext>
+            </a:extLst>
+          </p:cNvPr>
+          <p:cNvCxnSpPr>
+            <a:cxnSpLocks/>
+          </p:cNvCxnSpPr>
+          <p:nvPr/>
+        </p:nvCxnSpPr>
+        <p:spPr>
+          <a:xfrm>
+            <a:off x="5955606" y="1013664"/>
+            <a:ext cx="419986" cy="0"/>
+          </a:xfrm>
+          <a:prstGeom prst="line">
+            <a:avLst/>
+          </a:prstGeom>
+          <a:ln w="28575"/>
+        </p:spPr>
+        <p:style>
+          <a:lnRef idx="1">
+            <a:schemeClr val="dk1"/>
+          </a:lnRef>
+          <a:fillRef idx="0">
+            <a:schemeClr val="dk1"/>
+          </a:fillRef>
+          <a:effectRef idx="0">
+            <a:schemeClr val="dk1"/>
+          </a:effectRef>
+          <a:fontRef idx="minor">
+            <a:schemeClr val="tx1"/>
+          </a:fontRef>
+        </p:style>
+      </p:cxnSp>
+    </p:spTree>
+    <p:extLst>
+      <p:ext uri="{BB962C8B-B14F-4D97-AF65-F5344CB8AC3E}">
+        <p14:creationId xmlns:p14="http://schemas.microsoft.com/office/powerpoint/2010/main" val="719321141"/>
+      </p:ext>
+    </p:extLst>
+  </p:cSld>
+  <p:clrMapOvr>
+    <a:masterClrMapping/>
+  </p:clrMapOvr>
+</p:sld>
+</file>
+
+<file path=ppt/slides/slide13.xml><?xml version="1.0" encoding="utf-8"?>
+<p:sld xmlns:a="http://schemas.openxmlformats.org/drawingml/2006/main" xmlns:r="http://schemas.openxmlformats.org/officeDocument/2006/relationships" xmlns:p="http://schemas.openxmlformats.org/presentationml/2006/main">
+  <p:cSld>
+    <p:bg>
+      <p:bgPr>
+        <a:solidFill>
+          <a:schemeClr val="bg2"/>
+        </a:solidFill>
+        <a:effectLst/>
+      </p:bgPr>
+    </p:bg>
+    <p:spTree>
+      <p:nvGrpSpPr>
+        <p:cNvPr id="1" name=""/>
+        <p:cNvGrpSpPr/>
+        <p:nvPr/>
+      </p:nvGrpSpPr>
+      <p:grpSpPr>
+        <a:xfrm>
+          <a:off x="0" y="0"/>
+          <a:ext cx="0" cy="0"/>
+          <a:chOff x="0" y="0"/>
+          <a:chExt cx="0" cy="0"/>
+        </a:xfrm>
+      </p:grpSpPr>
+      <p:sp>
+        <p:nvSpPr>
+          <p:cNvPr id="4" name="Rectangle 3">
+            <a:extLst>
+              <a:ext uri="{FF2B5EF4-FFF2-40B4-BE49-F238E27FC236}">
+                <a16:creationId xmlns:a16="http://schemas.microsoft.com/office/drawing/2014/main" id="{678F1DA2-2833-49FF-9287-44720AC6C8D2}"/>
+              </a:ext>
+            </a:extLst>
+          </p:cNvPr>
+          <p:cNvSpPr/>
+          <p:nvPr/>
+        </p:nvSpPr>
+        <p:spPr>
+          <a:xfrm>
+            <a:off x="0" y="6581001"/>
+            <a:ext cx="9976268" cy="276999"/>
+          </a:xfrm>
+          <a:prstGeom prst="rect">
+            <a:avLst/>
+          </a:prstGeom>
+          <a:solidFill>
+            <a:srgbClr val="92D050"/>
+          </a:solidFill>
+          <a:ln>
+            <a:noFill/>
+          </a:ln>
+        </p:spPr>
+        <p:style>
+          <a:lnRef idx="2">
+            <a:schemeClr val="accent1">
+              <a:shade val="50000"/>
+            </a:schemeClr>
+          </a:lnRef>
+          <a:fillRef idx="1">
+            <a:schemeClr val="accent1"/>
+          </a:fillRef>
+          <a:effectRef idx="0">
+            <a:schemeClr val="accent1"/>
+          </a:effectRef>
+          <a:fontRef idx="minor">
+            <a:schemeClr val="lt1"/>
+          </a:fontRef>
+        </p:style>
+        <p:txBody>
+          <a:bodyPr rtlCol="0" anchor="ctr"/>
+          <a:lstStyle/>
+          <a:p>
+            <a:pPr algn="ctr"/>
+            <a:endParaRPr lang="en-US" dirty="0"/>
+          </a:p>
+        </p:txBody>
+      </p:sp>
+      <p:sp>
+        <p:nvSpPr>
+          <p:cNvPr id="5" name="TextBox 4">
+            <a:extLst>
+              <a:ext uri="{FF2B5EF4-FFF2-40B4-BE49-F238E27FC236}">
+                <a16:creationId xmlns:a16="http://schemas.microsoft.com/office/drawing/2014/main" id="{9758F7A4-2143-4CCD-B8B3-8B4A1461ECF9}"/>
+              </a:ext>
+            </a:extLst>
+          </p:cNvPr>
+          <p:cNvSpPr txBox="1"/>
+          <p:nvPr/>
+        </p:nvSpPr>
+        <p:spPr>
+          <a:xfrm>
+            <a:off x="36674" y="6583215"/>
+            <a:ext cx="2682077" cy="276999"/>
+          </a:xfrm>
+          <a:prstGeom prst="rect">
+            <a:avLst/>
+          </a:prstGeom>
+          <a:noFill/>
+        </p:spPr>
+        <p:txBody>
+          <a:bodyPr wrap="square" rtlCol="0">
+            <a:spAutoFit/>
+          </a:bodyPr>
+          <a:lstStyle/>
+          <a:p>
+            <a:r>
+              <a:rPr lang="en-US" sz="1200" dirty="0">
+                <a:solidFill>
+                  <a:schemeClr val="bg1"/>
+                </a:solidFill>
+              </a:rPr>
+              <a:t>Building Personal Websites</a:t>
+            </a:r>
+          </a:p>
+        </p:txBody>
+      </p:sp>
+      <p:sp>
+        <p:nvSpPr>
+          <p:cNvPr id="6" name="Rectangle 5">
+            <a:extLst>
+              <a:ext uri="{FF2B5EF4-FFF2-40B4-BE49-F238E27FC236}">
+                <a16:creationId xmlns:a16="http://schemas.microsoft.com/office/drawing/2014/main" id="{40845236-8634-4353-BA0D-8817FE36EC7A}"/>
+              </a:ext>
+            </a:extLst>
+          </p:cNvPr>
+          <p:cNvSpPr/>
+          <p:nvPr/>
+        </p:nvSpPr>
+        <p:spPr>
+          <a:xfrm>
+            <a:off x="9921514" y="6581001"/>
+            <a:ext cx="2270485" cy="276999"/>
+          </a:xfrm>
+          <a:prstGeom prst="rect">
+            <a:avLst/>
+          </a:prstGeom>
+          <a:solidFill>
+            <a:srgbClr val="00B0F0"/>
+          </a:solidFill>
+          <a:ln>
+            <a:noFill/>
+          </a:ln>
+        </p:spPr>
+        <p:style>
+          <a:lnRef idx="2">
+            <a:schemeClr val="accent1">
+              <a:shade val="50000"/>
+            </a:schemeClr>
+          </a:lnRef>
+          <a:fillRef idx="1">
+            <a:schemeClr val="accent1"/>
+          </a:fillRef>
+          <a:effectRef idx="0">
+            <a:schemeClr val="accent1"/>
+          </a:effectRef>
+          <a:fontRef idx="minor">
+            <a:schemeClr val="lt1"/>
+          </a:fontRef>
+        </p:style>
+        <p:txBody>
+          <a:bodyPr rtlCol="0" anchor="ctr"/>
+          <a:lstStyle/>
+          <a:p>
+            <a:pPr algn="ctr"/>
+            <a:endParaRPr lang="en-US" dirty="0"/>
+          </a:p>
+        </p:txBody>
+      </p:sp>
+      <p:sp>
+        <p:nvSpPr>
+          <p:cNvPr id="8" name="TextBox 7">
+            <a:extLst>
+              <a:ext uri="{FF2B5EF4-FFF2-40B4-BE49-F238E27FC236}">
+                <a16:creationId xmlns:a16="http://schemas.microsoft.com/office/drawing/2014/main" id="{6403EA4A-E7EB-4525-B0D2-13B3997D5780}"/>
+              </a:ext>
+            </a:extLst>
+          </p:cNvPr>
+          <p:cNvSpPr txBox="1"/>
+          <p:nvPr/>
+        </p:nvSpPr>
+        <p:spPr>
+          <a:xfrm>
+            <a:off x="9958188" y="6578787"/>
+            <a:ext cx="2682077" cy="276999"/>
+          </a:xfrm>
+          <a:prstGeom prst="rect">
+            <a:avLst/>
+          </a:prstGeom>
+          <a:noFill/>
+        </p:spPr>
+        <p:txBody>
+          <a:bodyPr wrap="square" rtlCol="0">
+            <a:spAutoFit/>
+          </a:bodyPr>
+          <a:lstStyle/>
+          <a:p>
+            <a:r>
+              <a:rPr lang="en-US" sz="1200" dirty="0">
+                <a:solidFill>
+                  <a:schemeClr val="bg1"/>
+                </a:solidFill>
+              </a:rPr>
+              <a:t>Lecture 10 | Search Bars</a:t>
+            </a:r>
+          </a:p>
+        </p:txBody>
+      </p:sp>
+      <p:sp>
+        <p:nvSpPr>
           <p:cNvPr id="7" name="TextBox 6">
             <a:extLst>
               <a:ext uri="{FF2B5EF4-FFF2-40B4-BE49-F238E27FC236}">
